--- a/Documents/DRGN Studio Design Review Presentation.pptx
+++ b/Documents/DRGN Studio Design Review Presentation.pptx
@@ -9,9 +9,10 @@
     <p:sldId id="258" r:id="rId3"/>
     <p:sldId id="257" r:id="rId4"/>
     <p:sldId id="259" r:id="rId5"/>
-    <p:sldId id="260" r:id="rId6"/>
-    <p:sldId id="261" r:id="rId7"/>
-    <p:sldId id="262" r:id="rId8"/>
+    <p:sldId id="263" r:id="rId6"/>
+    <p:sldId id="260" r:id="rId7"/>
+    <p:sldId id="261" r:id="rId8"/>
+    <p:sldId id="262" r:id="rId9"/>
   </p:sldIdLst>
   <p:sldSz cx="12192000" cy="6858000"/>
   <p:notesSz cx="6858000" cy="9144000"/>
@@ -110,6 +111,11 @@
       </a:defRPr>
     </a:lvl9pPr>
   </p:defaultTextStyle>
+  <p:extLst>
+    <p:ext uri="{EFAFB233-063F-42B5-8137-9DF3F51BA10A}">
+      <p15:sldGuideLst xmlns:p15="http://schemas.microsoft.com/office/powerpoint/2012/main"/>
+    </p:ext>
+  </p:extLst>
 </p:presentation>
 </file>
 
@@ -6292,13 +6298,13 @@
   <p:clrMapOvr>
     <a:masterClrMapping/>
   </p:clrMapOvr>
-  <mc:AlternateContent xmlns:mc="http://schemas.openxmlformats.org/markup-compatibility/2006">
-    <mc:Choice xmlns:p159="http://schemas.microsoft.com/office/powerpoint/2015/09/main" Requires="p159">
+  <mc:AlternateContent xmlns:mc="http://schemas.openxmlformats.org/markup-compatibility/2006" xmlns:p159="http://schemas.microsoft.com/office/powerpoint/2015/09/main">
+    <mc:Choice Requires="p159">
       <p:transition xmlns:p14="http://schemas.microsoft.com/office/powerpoint/2010/main" spd="slow" p14:dur="2000">
         <p159:morph option="byObject"/>
       </p:transition>
     </mc:Choice>
-    <mc:Fallback>
+    <mc:Fallback xmlns="">
       <p:transition spd="slow">
         <p:fade/>
       </p:transition>
@@ -6522,13 +6528,13 @@
   <p:clrMapOvr>
     <a:masterClrMapping/>
   </p:clrMapOvr>
-  <mc:AlternateContent xmlns:mc="http://schemas.openxmlformats.org/markup-compatibility/2006">
-    <mc:Choice xmlns:p14="http://schemas.microsoft.com/office/powerpoint/2010/main" Requires="p14">
+  <mc:AlternateContent xmlns:mc="http://schemas.openxmlformats.org/markup-compatibility/2006" xmlns:p14="http://schemas.microsoft.com/office/powerpoint/2010/main">
+    <mc:Choice Requires="p14">
       <p:transition spd="med" p14:dur="700">
         <p:fade/>
       </p:transition>
     </mc:Choice>
-    <mc:Fallback>
+    <mc:Fallback xmlns="">
       <p:transition spd="med">
         <p:fade/>
       </p:transition>
@@ -6636,13 +6642,13 @@
   <p:clrMapOvr>
     <a:overrideClrMapping bg1="dk1" tx1="lt1" bg2="dk2" tx2="lt2" accent1="accent1" accent2="accent2" accent3="accent3" accent4="accent4" accent5="accent5" accent6="accent6" hlink="hlink" folHlink="folHlink"/>
   </p:clrMapOvr>
-  <mc:AlternateContent xmlns:mc="http://schemas.openxmlformats.org/markup-compatibility/2006">
-    <mc:Choice xmlns:p14="http://schemas.microsoft.com/office/powerpoint/2010/main" Requires="p14">
+  <mc:AlternateContent xmlns:mc="http://schemas.openxmlformats.org/markup-compatibility/2006" xmlns:p14="http://schemas.microsoft.com/office/powerpoint/2010/main">
+    <mc:Choice Requires="p14">
       <p:transition spd="slow" p14:dur="3400">
         <p14:reveal/>
       </p:transition>
     </mc:Choice>
-    <mc:Fallback>
+    <mc:Fallback xmlns="">
       <p:transition spd="slow">
         <p:fade/>
       </p:transition>
@@ -6676,6 +6682,183 @@
           <a:chExt cx="0" cy="0"/>
         </a:xfrm>
       </p:grpSpPr>
+      <p:sp>
+        <p:nvSpPr>
+          <p:cNvPr id="2" name="Title 1">
+            <a:extLst>
+              <a:ext uri="{FF2B5EF4-FFF2-40B4-BE49-F238E27FC236}">
+                <a16:creationId xmlns:a16="http://schemas.microsoft.com/office/drawing/2014/main" id="{65B948EE-C423-DA8C-8FD6-2FDF5CC65983}"/>
+              </a:ext>
+            </a:extLst>
+          </p:cNvPr>
+          <p:cNvSpPr>
+            <a:spLocks noGrp="1"/>
+          </p:cNvSpPr>
+          <p:nvPr>
+            <p:ph type="title"/>
+          </p:nvPr>
+        </p:nvSpPr>
+        <p:spPr>
+          <a:xfrm>
+            <a:off x="4965430" y="629266"/>
+            <a:ext cx="6586491" cy="1676603"/>
+          </a:xfrm>
+        </p:spPr>
+        <p:txBody>
+          <a:bodyPr>
+            <a:normAutofit/>
+          </a:bodyPr>
+          <a:lstStyle/>
+          <a:p>
+            <a:r>
+              <a:rPr lang="en-TT" sz="5400" dirty="0"/>
+              <a:t>Functional Requirements</a:t>
+            </a:r>
+          </a:p>
+        </p:txBody>
+      </p:sp>
+      <p:sp>
+        <p:nvSpPr>
+          <p:cNvPr id="3" name="Content Placeholder 2">
+            <a:extLst>
+              <a:ext uri="{FF2B5EF4-FFF2-40B4-BE49-F238E27FC236}">
+                <a16:creationId xmlns:a16="http://schemas.microsoft.com/office/drawing/2014/main" id="{35714E4B-C049-7724-3DA2-2A79AA22B515}"/>
+              </a:ext>
+            </a:extLst>
+          </p:cNvPr>
+          <p:cNvSpPr>
+            <a:spLocks noGrp="1"/>
+          </p:cNvSpPr>
+          <p:nvPr>
+            <p:ph idx="1"/>
+          </p:nvPr>
+        </p:nvSpPr>
+        <p:spPr>
+          <a:xfrm>
+            <a:off x="4965431" y="2438400"/>
+            <a:ext cx="6586489" cy="3785419"/>
+          </a:xfrm>
+        </p:spPr>
+        <p:txBody>
+          <a:bodyPr>
+            <a:normAutofit/>
+          </a:bodyPr>
+          <a:lstStyle/>
+          <a:p>
+            <a:r>
+              <a:rPr lang="en-TT" sz="2400" dirty="0"/>
+              <a:t>Login/ Signup</a:t>
+            </a:r>
+          </a:p>
+          <a:p>
+            <a:r>
+              <a:rPr lang="en-TT" sz="2400" dirty="0"/>
+              <a:t>Password Validation</a:t>
+            </a:r>
+          </a:p>
+          <a:p>
+            <a:r>
+              <a:rPr lang="en-TT" sz="2400" dirty="0"/>
+              <a:t>Job Creation/ Deletion</a:t>
+            </a:r>
+          </a:p>
+          <a:p>
+            <a:r>
+              <a:rPr lang="en-TT" sz="2400" dirty="0"/>
+              <a:t>Search for services</a:t>
+            </a:r>
+          </a:p>
+          <a:p>
+            <a:r>
+              <a:rPr lang="en-TT" sz="2400" dirty="0"/>
+              <a:t>User account settings</a:t>
+            </a:r>
+          </a:p>
+          <a:p>
+            <a:r>
+              <a:rPr lang="en-TT" sz="2400" dirty="0"/>
+              <a:t>Invoice </a:t>
+            </a:r>
+          </a:p>
+          <a:p>
+            <a:r>
+              <a:rPr lang="en-TT" sz="2400" dirty="0"/>
+              <a:t>Freelancer ratings</a:t>
+            </a:r>
+          </a:p>
+        </p:txBody>
+      </p:sp>
+      <p:pic>
+        <p:nvPicPr>
+          <p:cNvPr id="5" name="Picture 4" descr="Computer script on a screen">
+            <a:extLst>
+              <a:ext uri="{FF2B5EF4-FFF2-40B4-BE49-F238E27FC236}">
+                <a16:creationId xmlns:a16="http://schemas.microsoft.com/office/drawing/2014/main" id="{C1B8C3F1-D107-70EC-C1FB-CF68B362CB89}"/>
+              </a:ext>
+            </a:extLst>
+          </p:cNvPr>
+          <p:cNvPicPr>
+            <a:picLocks noChangeAspect="1"/>
+          </p:cNvPicPr>
+          <p:nvPr/>
+        </p:nvPicPr>
+        <p:blipFill rotWithShape="1">
+          <a:blip r:embed="rId2"/>
+          <a:srcRect l="7554" r="47326" b="-1"/>
+          <a:stretch/>
+        </p:blipFill>
+        <p:spPr>
+          <a:xfrm>
+            <a:off x="20" y="10"/>
+            <a:ext cx="4635571" cy="6857990"/>
+          </a:xfrm>
+          <a:prstGeom prst="rect">
+            <a:avLst/>
+          </a:prstGeom>
+          <a:effectLst/>
+        </p:spPr>
+      </p:pic>
+    </p:spTree>
+    <p:extLst>
+      <p:ext uri="{BB962C8B-B14F-4D97-AF65-F5344CB8AC3E}">
+        <p14:creationId xmlns:p14="http://schemas.microsoft.com/office/powerpoint/2010/main" val="4068751035"/>
+      </p:ext>
+    </p:extLst>
+  </p:cSld>
+  <p:clrMapOvr>
+    <a:masterClrMapping/>
+  </p:clrMapOvr>
+  <p:transition spd="slow">
+    <p:wipe/>
+  </p:transition>
+</p:sld>
+</file>
+
+<file path=ppt/slides/slide6.xml><?xml version="1.0" encoding="utf-8"?>
+<p:sld xmlns:a="http://schemas.openxmlformats.org/drawingml/2006/main" xmlns:r="http://schemas.openxmlformats.org/officeDocument/2006/relationships" xmlns:p="http://schemas.openxmlformats.org/presentationml/2006/main">
+  <p:cSld>
+    <p:bg>
+      <p:bgPr>
+        <a:solidFill>
+          <a:schemeClr val="bg1"/>
+        </a:solidFill>
+        <a:effectLst/>
+      </p:bgPr>
+    </p:bg>
+    <p:spTree>
+      <p:nvGrpSpPr>
+        <p:cNvPr id="1" name=""/>
+        <p:cNvGrpSpPr/>
+        <p:nvPr/>
+      </p:nvGrpSpPr>
+      <p:grpSpPr>
+        <a:xfrm>
+          <a:off x="0" y="0"/>
+          <a:ext cx="0" cy="0"/>
+          <a:chOff x="0" y="0"/>
+          <a:chExt cx="0" cy="0"/>
+        </a:xfrm>
+      </p:grpSpPr>
       <p:pic>
         <p:nvPicPr>
           <p:cNvPr id="5" name="Picture 4" descr="3D black question marks with one yellow question mark">
@@ -6804,7 +6987,7 @@
 </p:sld>
 </file>
 
-<file path=ppt/slides/slide6.xml><?xml version="1.0" encoding="utf-8"?>
+<file path=ppt/slides/slide7.xml><?xml version="1.0" encoding="utf-8"?>
 <p:sld xmlns:a="http://schemas.openxmlformats.org/drawingml/2006/main" xmlns:r="http://schemas.openxmlformats.org/officeDocument/2006/relationships" xmlns:p="http://schemas.openxmlformats.org/presentationml/2006/main">
   <p:cSld>
     <p:spTree>
@@ -6887,13 +7070,13 @@
   <p:clrMapOvr>
     <a:masterClrMapping/>
   </p:clrMapOvr>
-  <mc:AlternateContent xmlns:mc="http://schemas.openxmlformats.org/markup-compatibility/2006">
-    <mc:Choice xmlns:p159="http://schemas.microsoft.com/office/powerpoint/2015/09/main" Requires="p159">
+  <mc:AlternateContent xmlns:mc="http://schemas.openxmlformats.org/markup-compatibility/2006" xmlns:p159="http://schemas.microsoft.com/office/powerpoint/2015/09/main">
+    <mc:Choice Requires="p159">
       <p:transition xmlns:p14="http://schemas.microsoft.com/office/powerpoint/2010/main" spd="slow" p14:dur="2000">
         <p159:morph option="byObject"/>
       </p:transition>
     </mc:Choice>
-    <mc:Fallback>
+    <mc:Fallback xmlns="">
       <p:transition spd="slow">
         <p:fade/>
       </p:transition>
@@ -6902,7 +7085,7 @@
 </p:sld>
 </file>
 
-<file path=ppt/slides/slide7.xml><?xml version="1.0" encoding="utf-8"?>
+<file path=ppt/slides/slide8.xml><?xml version="1.0" encoding="utf-8"?>
 <p:sld xmlns:a="http://schemas.openxmlformats.org/drawingml/2006/main" xmlns:r="http://schemas.openxmlformats.org/officeDocument/2006/relationships" xmlns:p="http://schemas.openxmlformats.org/presentationml/2006/main">
   <p:cSld>
     <p:bg>
@@ -7200,13 +7383,13 @@
   <p:clrMapOvr>
     <a:masterClrMapping/>
   </p:clrMapOvr>
-  <mc:AlternateContent xmlns:mc="http://schemas.openxmlformats.org/markup-compatibility/2006">
-    <mc:Choice xmlns:p15="http://schemas.microsoft.com/office/powerpoint/2012/main" Requires="p15">
+  <mc:AlternateContent xmlns:mc="http://schemas.openxmlformats.org/markup-compatibility/2006" xmlns:p15="http://schemas.microsoft.com/office/powerpoint/2012/main">
+    <mc:Choice Requires="p15">
       <p:transition xmlns:p14="http://schemas.microsoft.com/office/powerpoint/2010/main" spd="slow" p14:dur="2000">
         <p15:prstTrans prst="fracture"/>
       </p:transition>
     </mc:Choice>
-    <mc:Fallback>
+    <mc:Fallback xmlns="">
       <p:transition spd="slow">
         <p:fade/>
       </p:transition>
